--- a/s7_univariate_bivariate_viz/s7.pptx
+++ b/s7_univariate_bivariate_viz/s7.pptx
@@ -5,7 +5,7 @@
     <p:sldMasterId id="2147483660" r:id="rId1"/>
   </p:sldMasterIdLst>
   <p:notesMasterIdLst>
-    <p:notesMasterId r:id="rId35"/>
+    <p:notesMasterId r:id="rId36"/>
   </p:notesMasterIdLst>
   <p:sldIdLst>
     <p:sldId id="450" r:id="rId2"/>
@@ -31,16 +31,17 @@
     <p:sldId id="458" r:id="rId22"/>
     <p:sldId id="418" r:id="rId23"/>
     <p:sldId id="434" r:id="rId24"/>
-    <p:sldId id="435" r:id="rId25"/>
-    <p:sldId id="410" r:id="rId26"/>
-    <p:sldId id="412" r:id="rId27"/>
-    <p:sldId id="414" r:id="rId28"/>
-    <p:sldId id="415" r:id="rId29"/>
-    <p:sldId id="416" r:id="rId30"/>
-    <p:sldId id="417" r:id="rId31"/>
-    <p:sldId id="411" r:id="rId32"/>
-    <p:sldId id="459" r:id="rId33"/>
-    <p:sldId id="405" r:id="rId34"/>
+    <p:sldId id="460" r:id="rId25"/>
+    <p:sldId id="435" r:id="rId26"/>
+    <p:sldId id="410" r:id="rId27"/>
+    <p:sldId id="412" r:id="rId28"/>
+    <p:sldId id="414" r:id="rId29"/>
+    <p:sldId id="415" r:id="rId30"/>
+    <p:sldId id="416" r:id="rId31"/>
+    <p:sldId id="417" r:id="rId32"/>
+    <p:sldId id="411" r:id="rId33"/>
+    <p:sldId id="459" r:id="rId34"/>
+    <p:sldId id="405" r:id="rId35"/>
   </p:sldIdLst>
   <p:sldSz cx="12192000" cy="6858000"/>
   <p:notesSz cx="6858000" cy="9144000"/>
@@ -229,7 +230,7 @@
           <a:p>
             <a:fld id="{BB737045-7939-4A30-AD5B-51B3F8D7C408}" type="datetimeFigureOut">
               <a:rPr lang="en-US" smtClean="0"/>
-              <a:t>2021-08-03</a:t>
+              <a:t>2021-11-23</a:t>
             </a:fld>
             <a:endParaRPr lang="en-US"/>
           </a:p>
@@ -1179,48 +1180,16 @@
           <a:p>
             <a:r>
               <a:rPr lang="en-US" dirty="0" smtClean="0"/>
-              <a:t>Customizing Ticks | Python Data Science Handbook</a:t>
-            </a:r>
+              <a:t>https://github.com/matplotlib/cheatsheets </a:t>
+            </a:r>
+          </a:p>
+          <a:p>
+            <a:endParaRPr lang="en-US" dirty="0" smtClean="0"/>
           </a:p>
           <a:p>
             <a:r>
               <a:rPr lang="en-US" dirty="0" smtClean="0"/>
-              <a:t>https://jakevdp.github.io/PythonDataScienceHandbook/04.10-customizing-ticks.html</a:t>
-            </a:r>
-          </a:p>
-          <a:p>
-            <a:endParaRPr lang="en-US" dirty="0" smtClean="0"/>
-          </a:p>
-          <a:p>
-            <a:r>
-              <a:rPr lang="en-US" dirty="0" err="1" smtClean="0"/>
-              <a:t>jakevdp</a:t>
-            </a:r>
-            <a:r>
-              <a:rPr lang="en-US" dirty="0" smtClean="0"/>
-              <a:t>/</a:t>
-            </a:r>
-            <a:r>
-              <a:rPr lang="en-US" dirty="0" err="1" smtClean="0"/>
-              <a:t>PythonDataScienceHandbook</a:t>
-            </a:r>
-            <a:r>
-              <a:rPr lang="en-US" dirty="0" smtClean="0"/>
-              <a:t>: Python Data Science Handbook: full text in </a:t>
-            </a:r>
-            <a:r>
-              <a:rPr lang="en-US" dirty="0" err="1" smtClean="0"/>
-              <a:t>Jupyter</a:t>
-            </a:r>
-            <a:r>
-              <a:rPr lang="en-US" dirty="0" smtClean="0"/>
-              <a:t> Notebooks</a:t>
-            </a:r>
-          </a:p>
-          <a:p>
-            <a:r>
-              <a:rPr lang="en-US" dirty="0" smtClean="0"/>
-              <a:t>https://github.com/jakevdp/PythonDataScienceHandbook </a:t>
+              <a:t>https://github.com/rougier/scientific-visualization-book </a:t>
             </a:r>
             <a:endParaRPr lang="en-US" dirty="0"/>
           </a:p>
@@ -1252,7 +1221,7 @@
     </p:spTree>
     <p:extLst>
       <p:ext uri="{BB962C8B-B14F-4D97-AF65-F5344CB8AC3E}">
-        <p14:creationId xmlns:p14="http://schemas.microsoft.com/office/powerpoint/2010/main" val="3710030185"/>
+        <p14:creationId xmlns:p14="http://schemas.microsoft.com/office/powerpoint/2010/main" val="2741357267"/>
       </p:ext>
     </p:extLst>
   </p:cSld>
@@ -1308,19 +1277,49 @@
           <a:p>
             <a:r>
               <a:rPr lang="en-US" dirty="0" smtClean="0"/>
-              <a:t>Titanic Dataset</a:t>
+              <a:t>Customizing Ticks | Python Data Science Handbook</a:t>
             </a:r>
           </a:p>
           <a:p>
             <a:r>
               <a:rPr lang="en-US" dirty="0" smtClean="0"/>
-              <a:t>https://pandas-profiling.github.io/pandas-profiling/examples/master/titanic/titanic_report.html </a:t>
+              <a:t>https://jakevdp.github.io/PythonDataScienceHandbook/04.10-customizing-ticks.html</a:t>
             </a:r>
           </a:p>
           <a:p>
             <a:endParaRPr lang="en-US" dirty="0" smtClean="0"/>
           </a:p>
           <a:p>
+            <a:r>
+              <a:rPr lang="en-US" dirty="0" err="1" smtClean="0"/>
+              <a:t>jakevdp</a:t>
+            </a:r>
+            <a:r>
+              <a:rPr lang="en-US" dirty="0" smtClean="0"/>
+              <a:t>/</a:t>
+            </a:r>
+            <a:r>
+              <a:rPr lang="en-US" dirty="0" err="1" smtClean="0"/>
+              <a:t>PythonDataScienceHandbook</a:t>
+            </a:r>
+            <a:r>
+              <a:rPr lang="en-US" dirty="0" smtClean="0"/>
+              <a:t>: Python Data Science Handbook: full text in </a:t>
+            </a:r>
+            <a:r>
+              <a:rPr lang="en-US" dirty="0" err="1" smtClean="0"/>
+              <a:t>Jupyter</a:t>
+            </a:r>
+            <a:r>
+              <a:rPr lang="en-US" dirty="0" smtClean="0"/>
+              <a:t> Notebooks</a:t>
+            </a:r>
+          </a:p>
+          <a:p>
+            <a:r>
+              <a:rPr lang="en-US" dirty="0" smtClean="0"/>
+              <a:t>https://github.com/jakevdp/PythonDataScienceHandbook </a:t>
+            </a:r>
             <a:endParaRPr lang="en-US" dirty="0"/>
           </a:p>
         </p:txBody>
@@ -1342,7 +1341,7 @@
           <a:p>
             <a:fld id="{7F8449B0-699C-4EFF-BDE1-A39B51E0E0CB}" type="slidenum">
               <a:rPr lang="en-US" smtClean="0"/>
-              <a:t>26</a:t>
+              <a:t>25</a:t>
             </a:fld>
             <a:endParaRPr lang="en-US"/>
           </a:p>
@@ -1351,7 +1350,7 @@
     </p:spTree>
     <p:extLst>
       <p:ext uri="{BB962C8B-B14F-4D97-AF65-F5344CB8AC3E}">
-        <p14:creationId xmlns:p14="http://schemas.microsoft.com/office/powerpoint/2010/main" val="3234732487"/>
+        <p14:creationId xmlns:p14="http://schemas.microsoft.com/office/powerpoint/2010/main" val="3710030185"/>
       </p:ext>
     </p:extLst>
   </p:cSld>
@@ -1406,24 +1405,20 @@
           <a:lstStyle/>
           <a:p>
             <a:r>
-              <a:rPr lang="en-US" dirty="0" err="1" smtClean="0"/>
-              <a:t>titanic.ipynb</a:t>
-            </a:r>
-            <a:r>
               <a:rPr lang="en-US" dirty="0" smtClean="0"/>
-              <a:t> - </a:t>
-            </a:r>
-            <a:r>
-              <a:rPr lang="en-US" dirty="0" err="1" smtClean="0"/>
-              <a:t>Colaboratory</a:t>
-            </a:r>
+              <a:t>Titanic Dataset</a:t>
+            </a:r>
+          </a:p>
+          <a:p>
+            <a:r>
+              <a:rPr lang="en-US" dirty="0" smtClean="0"/>
+              <a:t>https://pandas-profiling.github.io/pandas-profiling/examples/master/titanic/titanic_report.html </a:t>
+            </a:r>
+          </a:p>
+          <a:p>
             <a:endParaRPr lang="en-US" dirty="0" smtClean="0"/>
           </a:p>
           <a:p>
-            <a:r>
-              <a:rPr lang="en-US" dirty="0" smtClean="0"/>
-              <a:t>https://colab.research.google.com/github/pandas-profiling/pandas-profiling/blob/master/examples/titanic/titanic.ipynb#scrollTo=pX825i8GgNuQ </a:t>
-            </a:r>
             <a:endParaRPr lang="en-US" dirty="0"/>
           </a:p>
         </p:txBody>
@@ -1454,7 +1449,7 @@
     </p:spTree>
     <p:extLst>
       <p:ext uri="{BB962C8B-B14F-4D97-AF65-F5344CB8AC3E}">
-        <p14:creationId xmlns:p14="http://schemas.microsoft.com/office/powerpoint/2010/main" val="3307313342"/>
+        <p14:creationId xmlns:p14="http://schemas.microsoft.com/office/powerpoint/2010/main" val="3234732487"/>
       </p:ext>
     </p:extLst>
   </p:cSld>
@@ -1509,14 +1504,23 @@
           <a:lstStyle/>
           <a:p>
             <a:r>
+              <a:rPr lang="en-US" dirty="0" err="1" smtClean="0"/>
+              <a:t>titanic.ipynb</a:t>
+            </a:r>
+            <a:r>
               <a:rPr lang="en-US" dirty="0" smtClean="0"/>
-              <a:t>Lux</a:t>
-            </a:r>
+              <a:t> - </a:t>
+            </a:r>
+            <a:r>
+              <a:rPr lang="en-US" dirty="0" err="1" smtClean="0"/>
+              <a:t>Colaboratory</a:t>
+            </a:r>
+            <a:endParaRPr lang="en-US" dirty="0" smtClean="0"/>
           </a:p>
           <a:p>
             <a:r>
               <a:rPr lang="en-US" dirty="0" smtClean="0"/>
-              <a:t>https://awesomeopensource.com/project/lux-org/lux </a:t>
+              <a:t>https://colab.research.google.com/github/pandas-profiling/pandas-profiling/blob/master/examples/titanic/titanic.ipynb#scrollTo=pX825i8GgNuQ </a:t>
             </a:r>
             <a:endParaRPr lang="en-US" dirty="0"/>
           </a:p>
@@ -1548,7 +1552,7 @@
     </p:spTree>
     <p:extLst>
       <p:ext uri="{BB962C8B-B14F-4D97-AF65-F5344CB8AC3E}">
-        <p14:creationId xmlns:p14="http://schemas.microsoft.com/office/powerpoint/2010/main" val="2078630222"/>
+        <p14:creationId xmlns:p14="http://schemas.microsoft.com/office/powerpoint/2010/main" val="3307313342"/>
       </p:ext>
     </p:extLst>
   </p:cSld>
@@ -1602,6 +1606,16 @@
           <a:bodyPr/>
           <a:lstStyle/>
           <a:p>
+            <a:r>
+              <a:rPr lang="en-US" dirty="0" smtClean="0"/>
+              <a:t>Lux</a:t>
+            </a:r>
+          </a:p>
+          <a:p>
+            <a:r>
+              <a:rPr lang="en-US" dirty="0" smtClean="0"/>
+              <a:t>https://github.com/lux-org/lux</a:t>
+            </a:r>
             <a:endParaRPr lang="en-US" dirty="0"/>
           </a:p>
         </p:txBody>
@@ -1623,7 +1637,7 @@
           <a:p>
             <a:fld id="{7F8449B0-699C-4EFF-BDE1-A39B51E0E0CB}" type="slidenum">
               <a:rPr lang="en-US" smtClean="0"/>
-              <a:t>30</a:t>
+              <a:t>29</a:t>
             </a:fld>
             <a:endParaRPr lang="en-US"/>
           </a:p>
@@ -1632,7 +1646,7 @@
     </p:spTree>
     <p:extLst>
       <p:ext uri="{BB962C8B-B14F-4D97-AF65-F5344CB8AC3E}">
-        <p14:creationId xmlns:p14="http://schemas.microsoft.com/office/powerpoint/2010/main" val="2224334121"/>
+        <p14:creationId xmlns:p14="http://schemas.microsoft.com/office/powerpoint/2010/main" val="2078630222"/>
       </p:ext>
     </p:extLst>
   </p:cSld>
@@ -1770,21 +1784,6 @@
           <a:bodyPr/>
           <a:lstStyle/>
           <a:p>
-            <a:r>
-              <a:rPr lang="en-US" dirty="0" smtClean="0"/>
-              <a:t>The Top 30 Exploratory Data Analysis Open Source Projects</a:t>
-            </a:r>
-          </a:p>
-          <a:p>
-            <a:r>
-              <a:rPr lang="en-US" dirty="0" smtClean="0"/>
-              <a:t>https://awesomeopensource.com/projects/exploratory-data-analysis </a:t>
-            </a:r>
-          </a:p>
-          <a:p>
-            <a:endParaRPr lang="en-US" dirty="0" smtClean="0"/>
-          </a:p>
-          <a:p>
             <a:endParaRPr lang="en-US" dirty="0"/>
           </a:p>
         </p:txBody>
@@ -1815,7 +1814,7 @@
     </p:spTree>
     <p:extLst>
       <p:ext uri="{BB962C8B-B14F-4D97-AF65-F5344CB8AC3E}">
-        <p14:creationId xmlns:p14="http://schemas.microsoft.com/office/powerpoint/2010/main" val="3765939637"/>
+        <p14:creationId xmlns:p14="http://schemas.microsoft.com/office/powerpoint/2010/main" val="2224334121"/>
       </p:ext>
     </p:extLst>
   </p:cSld>
@@ -1871,17 +1870,19 @@
           <a:p>
             <a:r>
               <a:rPr lang="en-US" dirty="0" smtClean="0"/>
-              <a:t>https://www.kaggle.com/mahmoudhamza/exercise-bar-charts-and-heatmaps/edit </a:t>
+              <a:t>The Top 30 Exploratory Data Analysis Open Source Projects</a:t>
+            </a:r>
+          </a:p>
+          <a:p>
+            <a:r>
+              <a:rPr lang="en-US" dirty="0" smtClean="0"/>
+              <a:t>https://awesomeopensource.com/projects/exploratory-data-analysis </a:t>
             </a:r>
           </a:p>
           <a:p>
             <a:endParaRPr lang="en-US" dirty="0" smtClean="0"/>
           </a:p>
           <a:p>
-            <a:r>
-              <a:rPr lang="en-US" smtClean="0"/>
-              <a:t>https://www.kaggle.com/alexisbcook/scatter-plots </a:t>
-            </a:r>
             <a:endParaRPr lang="en-US" dirty="0"/>
           </a:p>
         </p:txBody>
@@ -1912,7 +1913,7 @@
     </p:spTree>
     <p:extLst>
       <p:ext uri="{BB962C8B-B14F-4D97-AF65-F5344CB8AC3E}">
-        <p14:creationId xmlns:p14="http://schemas.microsoft.com/office/powerpoint/2010/main" val="2840171862"/>
+        <p14:creationId xmlns:p14="http://schemas.microsoft.com/office/powerpoint/2010/main" val="3765939637"/>
       </p:ext>
     </p:extLst>
   </p:cSld>
@@ -1968,70 +1969,16 @@
           <a:p>
             <a:r>
               <a:rPr lang="en-US" dirty="0" smtClean="0"/>
-              <a:t>Simple </a:t>
-            </a:r>
-            <a:r>
-              <a:rPr lang="en-US" dirty="0" err="1" smtClean="0"/>
-              <a:t>Matplotlib</a:t>
-            </a:r>
-            <a:r>
-              <a:rPr lang="en-US" dirty="0" smtClean="0"/>
-              <a:t> &amp; Visualization Tips 💡 | </a:t>
-            </a:r>
-            <a:r>
-              <a:rPr lang="en-US" dirty="0" err="1" smtClean="0"/>
-              <a:t>Kaggle</a:t>
-            </a:r>
+              <a:t>https://www.kaggle.com/mahmoudhamza/exercise-bar-charts-and-heatmaps/edit </a:t>
+            </a:r>
+          </a:p>
+          <a:p>
             <a:endParaRPr lang="en-US" dirty="0" smtClean="0"/>
           </a:p>
           <a:p>
             <a:r>
-              <a:rPr lang="en-US" dirty="0" smtClean="0"/>
-              <a:t>https://www.kaggle.com/subinium/simple-matplotlib-visualization-tips </a:t>
-            </a:r>
-          </a:p>
-          <a:p>
-            <a:endParaRPr lang="en-US" dirty="0" smtClean="0"/>
-          </a:p>
-          <a:p>
-            <a:r>
-              <a:rPr lang="en-US" dirty="0" smtClean="0"/>
-              <a:t>Basic of Statistical </a:t>
-            </a:r>
-            <a:r>
-              <a:rPr lang="en-US" dirty="0" err="1" smtClean="0"/>
-              <a:t>Viz</a:t>
-            </a:r>
-            <a:r>
-              <a:rPr lang="en-US" dirty="0" smtClean="0"/>
-              <a:t> : </a:t>
-            </a:r>
-            <a:r>
-              <a:rPr lang="en-US" dirty="0" err="1" smtClean="0"/>
-              <a:t>Plotly</a:t>
-            </a:r>
-            <a:r>
-              <a:rPr lang="en-US" dirty="0" smtClean="0"/>
-              <a:t> &amp; </a:t>
-            </a:r>
-            <a:r>
-              <a:rPr lang="en-US" dirty="0" err="1" smtClean="0"/>
-              <a:t>Seaborn</a:t>
-            </a:r>
-            <a:r>
-              <a:rPr lang="en-US" dirty="0" smtClean="0"/>
-              <a:t> | </a:t>
-            </a:r>
-            <a:r>
-              <a:rPr lang="en-US" dirty="0" err="1" smtClean="0"/>
-              <a:t>Kaggle</a:t>
-            </a:r>
-            <a:endParaRPr lang="en-US" dirty="0" smtClean="0"/>
-          </a:p>
-          <a:p>
-            <a:r>
-              <a:rPr lang="en-US" dirty="0" smtClean="0"/>
-              <a:t>https://www.kaggle.com/subinium/basic-of-statistical-viz-plotly-seaborn</a:t>
+              <a:rPr lang="en-US" smtClean="0"/>
+              <a:t>https://www.kaggle.com/alexisbcook/scatter-plots </a:t>
             </a:r>
             <a:endParaRPr lang="en-US" dirty="0"/>
           </a:p>
@@ -2055,6 +2002,157 @@
             <a:fld id="{7F8449B0-699C-4EFF-BDE1-A39B51E0E0CB}" type="slidenum">
               <a:rPr lang="en-US" smtClean="0"/>
               <a:t>33</a:t>
+            </a:fld>
+            <a:endParaRPr lang="en-US"/>
+          </a:p>
+        </p:txBody>
+      </p:sp>
+    </p:spTree>
+    <p:extLst>
+      <p:ext uri="{BB962C8B-B14F-4D97-AF65-F5344CB8AC3E}">
+        <p14:creationId xmlns:p14="http://schemas.microsoft.com/office/powerpoint/2010/main" val="2840171862"/>
+      </p:ext>
+    </p:extLst>
+  </p:cSld>
+  <p:clrMapOvr>
+    <a:masterClrMapping/>
+  </p:clrMapOvr>
+</p:notes>
+</file>
+
+<file path=ppt/notesSlides/notesSlide23.xml><?xml version="1.0" encoding="utf-8"?>
+<p:notes xmlns:a="http://schemas.openxmlformats.org/drawingml/2006/main" xmlns:r="http://schemas.openxmlformats.org/officeDocument/2006/relationships" xmlns:p="http://schemas.openxmlformats.org/presentationml/2006/main">
+  <p:cSld>
+    <p:spTree>
+      <p:nvGrpSpPr>
+        <p:cNvPr id="1" name=""/>
+        <p:cNvGrpSpPr/>
+        <p:nvPr/>
+      </p:nvGrpSpPr>
+      <p:grpSpPr>
+        <a:xfrm>
+          <a:off x="0" y="0"/>
+          <a:ext cx="0" cy="0"/>
+          <a:chOff x="0" y="0"/>
+          <a:chExt cx="0" cy="0"/>
+        </a:xfrm>
+      </p:grpSpPr>
+      <p:sp>
+        <p:nvSpPr>
+          <p:cNvPr id="2" name="Slide Image Placeholder 1"/>
+          <p:cNvSpPr>
+            <a:spLocks noGrp="1" noRot="1" noChangeAspect="1"/>
+          </p:cNvSpPr>
+          <p:nvPr>
+            <p:ph type="sldImg"/>
+          </p:nvPr>
+        </p:nvSpPr>
+        <p:spPr/>
+      </p:sp>
+      <p:sp>
+        <p:nvSpPr>
+          <p:cNvPr id="3" name="Notes Placeholder 2"/>
+          <p:cNvSpPr>
+            <a:spLocks noGrp="1"/>
+          </p:cNvSpPr>
+          <p:nvPr>
+            <p:ph type="body" idx="1"/>
+          </p:nvPr>
+        </p:nvSpPr>
+        <p:spPr/>
+        <p:txBody>
+          <a:bodyPr/>
+          <a:lstStyle/>
+          <a:p>
+            <a:r>
+              <a:rPr lang="en-US" dirty="0" smtClean="0"/>
+              <a:t>Simple </a:t>
+            </a:r>
+            <a:r>
+              <a:rPr lang="en-US" dirty="0" err="1" smtClean="0"/>
+              <a:t>Matplotlib</a:t>
+            </a:r>
+            <a:r>
+              <a:rPr lang="en-US" dirty="0" smtClean="0"/>
+              <a:t> &amp; Visualization Tips 💡 | </a:t>
+            </a:r>
+            <a:r>
+              <a:rPr lang="en-US" dirty="0" err="1" smtClean="0"/>
+              <a:t>Kaggle</a:t>
+            </a:r>
+            <a:endParaRPr lang="en-US" dirty="0" smtClean="0"/>
+          </a:p>
+          <a:p>
+            <a:r>
+              <a:rPr lang="en-US" dirty="0" smtClean="0"/>
+              <a:t>https://www.kaggle.com/subinium/simple-matplotlib-visualization-tips </a:t>
+            </a:r>
+          </a:p>
+          <a:p>
+            <a:endParaRPr lang="en-US" dirty="0" smtClean="0"/>
+          </a:p>
+          <a:p>
+            <a:r>
+              <a:rPr lang="en-US" dirty="0" smtClean="0"/>
+              <a:t>Basic of Statistical </a:t>
+            </a:r>
+            <a:r>
+              <a:rPr lang="en-US" dirty="0" err="1" smtClean="0"/>
+              <a:t>Viz</a:t>
+            </a:r>
+            <a:r>
+              <a:rPr lang="en-US" dirty="0" smtClean="0"/>
+              <a:t> : </a:t>
+            </a:r>
+            <a:r>
+              <a:rPr lang="en-US" dirty="0" err="1" smtClean="0"/>
+              <a:t>Plotly</a:t>
+            </a:r>
+            <a:r>
+              <a:rPr lang="en-US" dirty="0" smtClean="0"/>
+              <a:t> &amp; </a:t>
+            </a:r>
+            <a:r>
+              <a:rPr lang="en-US" dirty="0" err="1" smtClean="0"/>
+              <a:t>Seaborn</a:t>
+            </a:r>
+            <a:r>
+              <a:rPr lang="en-US" dirty="0" smtClean="0"/>
+              <a:t> | </a:t>
+            </a:r>
+            <a:r>
+              <a:rPr lang="en-US" dirty="0" err="1" smtClean="0"/>
+              <a:t>Kaggle</a:t>
+            </a:r>
+            <a:endParaRPr lang="en-US" dirty="0" smtClean="0"/>
+          </a:p>
+          <a:p>
+            <a:r>
+              <a:rPr lang="en-US" dirty="0" smtClean="0"/>
+              <a:t>https://www.kaggle.com/subinium/basic-of-statistical-viz-plotly-seaborn</a:t>
+            </a:r>
+            <a:endParaRPr lang="en-US" dirty="0"/>
+          </a:p>
+        </p:txBody>
+      </p:sp>
+      <p:sp>
+        <p:nvSpPr>
+          <p:cNvPr id="4" name="Slide Number Placeholder 3"/>
+          <p:cNvSpPr>
+            <a:spLocks noGrp="1"/>
+          </p:cNvSpPr>
+          <p:nvPr>
+            <p:ph type="sldNum" sz="quarter" idx="10"/>
+          </p:nvPr>
+        </p:nvSpPr>
+        <p:spPr/>
+        <p:txBody>
+          <a:bodyPr/>
+          <a:lstStyle/>
+          <a:p>
+            <a:fld id="{7F8449B0-699C-4EFF-BDE1-A39B51E0E0CB}" type="slidenum">
+              <a:rPr lang="en-US" smtClean="0"/>
+              <a:t>34</a:t>
             </a:fld>
             <a:endParaRPr lang="en-US"/>
           </a:p>
@@ -3010,7 +3108,7 @@
                 <a:tabLst/>
                 <a:defRPr/>
               </a:pPr>
-              <a:t>2021-08-03</a:t>
+              <a:t>2021-11-23</a:t>
             </a:fld>
             <a:endParaRPr kumimoji="0" lang="en-US" sz="1050" b="0" i="0" u="none" strike="noStrike" kern="1200" cap="none" spc="0" normalizeH="0" baseline="0" noProof="0">
               <a:ln>
@@ -3433,7 +3531,7 @@
                 <a:tabLst/>
                 <a:defRPr/>
               </a:pPr>
-              <a:t>2021-08-03</a:t>
+              <a:t>2021-11-23</a:t>
             </a:fld>
             <a:endParaRPr kumimoji="0" lang="en-US" sz="1050" b="0" i="0" u="none" strike="noStrike" kern="1200" cap="none" spc="0" normalizeH="0" baseline="0" noProof="0">
               <a:ln>
@@ -4051,19 +4149,17 @@
           <a:p>
             <a:r>
               <a:rPr lang="en-US" dirty="0" smtClean="0"/>
-              <a:t>Try using resources [univariate – bivariate]</a:t>
-            </a:r>
-          </a:p>
-          <a:p>
+              <a:t>Try using resources [univariate – bivariate</a:t>
+            </a:r>
             <a:r>
               <a:rPr lang="en-US" dirty="0" smtClean="0"/>
-              <a:t>Advanced resources </a:t>
-            </a:r>
-          </a:p>
-          <a:p>
-            <a:r>
-              <a:rPr lang="en-US" dirty="0" smtClean="0"/>
-              <a:t>Project </a:t>
+              <a:t>]</a:t>
+            </a:r>
+          </a:p>
+          <a:p>
+            <a:r>
+              <a:rPr lang="en-US" smtClean="0"/>
+              <a:t>Breakout room</a:t>
             </a:r>
             <a:endParaRPr lang="en-US" dirty="0"/>
           </a:p>
@@ -6109,6 +6205,126 @@
 </file>
 
 <file path=ppt/slides/slide24.xml><?xml version="1.0" encoding="utf-8"?>
+<p:sld xmlns:a="http://schemas.openxmlformats.org/drawingml/2006/main" xmlns:r="http://schemas.openxmlformats.org/officeDocument/2006/relationships" xmlns:p="http://schemas.openxmlformats.org/presentationml/2006/main">
+  <p:cSld>
+    <p:spTree>
+      <p:nvGrpSpPr>
+        <p:cNvPr id="1" name=""/>
+        <p:cNvGrpSpPr/>
+        <p:nvPr/>
+      </p:nvGrpSpPr>
+      <p:grpSpPr>
+        <a:xfrm>
+          <a:off x="0" y="0"/>
+          <a:ext cx="0" cy="0"/>
+          <a:chOff x="0" y="0"/>
+          <a:chExt cx="0" cy="0"/>
+        </a:xfrm>
+      </p:grpSpPr>
+      <p:sp>
+        <p:nvSpPr>
+          <p:cNvPr id="2" name="Title 1"/>
+          <p:cNvSpPr>
+            <a:spLocks noGrp="1"/>
+          </p:cNvSpPr>
+          <p:nvPr>
+            <p:ph type="title"/>
+          </p:nvPr>
+        </p:nvSpPr>
+        <p:spPr/>
+        <p:txBody>
+          <a:bodyPr/>
+          <a:lstStyle/>
+          <a:p>
+            <a:r>
+              <a:rPr lang="en-US" dirty="0" err="1" smtClean="0"/>
+              <a:t>matplotlib</a:t>
+            </a:r>
+            <a:endParaRPr lang="en-US" dirty="0"/>
+          </a:p>
+        </p:txBody>
+      </p:sp>
+      <p:sp>
+        <p:nvSpPr>
+          <p:cNvPr id="3" name="Content Placeholder 2"/>
+          <p:cNvSpPr>
+            <a:spLocks noGrp="1"/>
+          </p:cNvSpPr>
+          <p:nvPr>
+            <p:ph idx="1"/>
+          </p:nvPr>
+        </p:nvSpPr>
+        <p:spPr/>
+        <p:txBody>
+          <a:bodyPr/>
+          <a:lstStyle/>
+          <a:p>
+            <a:endParaRPr lang="en-US"/>
+          </a:p>
+        </p:txBody>
+      </p:sp>
+      <p:pic>
+        <p:nvPicPr>
+          <p:cNvPr id="4" name="Picture 3"/>
+          <p:cNvPicPr>
+            <a:picLocks noChangeAspect="1"/>
+          </p:cNvPicPr>
+          <p:nvPr/>
+        </p:nvPicPr>
+        <p:blipFill>
+          <a:blip r:embed="rId3"/>
+          <a:stretch>
+            <a:fillRect/>
+          </a:stretch>
+        </p:blipFill>
+        <p:spPr>
+          <a:xfrm>
+            <a:off x="894470" y="2259949"/>
+            <a:ext cx="4365936" cy="3957971"/>
+          </a:xfrm>
+          <a:prstGeom prst="rect">
+            <a:avLst/>
+          </a:prstGeom>
+        </p:spPr>
+      </p:pic>
+      <p:pic>
+        <p:nvPicPr>
+          <p:cNvPr id="5" name="Picture 4"/>
+          <p:cNvPicPr>
+            <a:picLocks noChangeAspect="1"/>
+          </p:cNvPicPr>
+          <p:nvPr/>
+        </p:nvPicPr>
+        <p:blipFill>
+          <a:blip r:embed="rId4"/>
+          <a:stretch>
+            <a:fillRect/>
+          </a:stretch>
+        </p:blipFill>
+        <p:spPr>
+          <a:xfrm>
+            <a:off x="6094959" y="2816035"/>
+            <a:ext cx="5745338" cy="2231768"/>
+          </a:xfrm>
+          <a:prstGeom prst="rect">
+            <a:avLst/>
+          </a:prstGeom>
+        </p:spPr>
+      </p:pic>
+    </p:spTree>
+    <p:extLst>
+      <p:ext uri="{BB962C8B-B14F-4D97-AF65-F5344CB8AC3E}">
+        <p14:creationId xmlns:p14="http://schemas.microsoft.com/office/powerpoint/2010/main" val="2620129671"/>
+      </p:ext>
+    </p:extLst>
+  </p:cSld>
+  <p:clrMapOvr>
+    <a:masterClrMapping/>
+  </p:clrMapOvr>
+</p:sld>
+</file>
+
+<file path=ppt/slides/slide25.xml><?xml version="1.0" encoding="utf-8"?>
 <p:sld xmlns:a="http://schemas.openxmlformats.org/drawingml/2006/main" xmlns:r="http://schemas.openxmlformats.org/officeDocument/2006/relationships" xmlns:p="http://schemas.openxmlformats.org/presentationml/2006/main" show="0">
   <p:cSld>
     <p:spTree>
@@ -6239,7 +6455,7 @@
 </p:sld>
 </file>
 
-<file path=ppt/slides/slide25.xml><?xml version="1.0" encoding="utf-8"?>
+<file path=ppt/slides/slide26.xml><?xml version="1.0" encoding="utf-8"?>
 <p:sld xmlns:a="http://schemas.openxmlformats.org/drawingml/2006/main" xmlns:r="http://schemas.openxmlformats.org/officeDocument/2006/relationships" xmlns:p="http://schemas.openxmlformats.org/presentationml/2006/main">
   <p:cSld>
     <p:spTree>
@@ -6342,7 +6558,7 @@
 </p:sld>
 </file>
 
-<file path=ppt/slides/slide26.xml><?xml version="1.0" encoding="utf-8"?>
+<file path=ppt/slides/slide27.xml><?xml version="1.0" encoding="utf-8"?>
 <p:sld xmlns:a="http://schemas.openxmlformats.org/drawingml/2006/main" xmlns:r="http://schemas.openxmlformats.org/officeDocument/2006/relationships" xmlns:p="http://schemas.openxmlformats.org/presentationml/2006/main">
   <p:cSld>
     <p:spTree>
@@ -6417,13 +6633,32 @@
             <a:endParaRPr lang="en-US" dirty="0"/>
           </a:p>
           <a:p>
-            <a:endParaRPr lang="en-US" dirty="0" smtClean="0"/>
-          </a:p>
-          <a:p>
-            <a:r>
-              <a:rPr lang="en-US" dirty="0"/>
-              <a:t>https://pandas-profiling.github.io/pandas-profiling/examples/master/titanic/titanic_report.html </a:t>
-            </a:r>
+            <a:pPr marL="0" indent="0">
+              <a:buNone/>
+            </a:pPr>
+            <a:r>
+              <a:rPr lang="en-US" dirty="0" smtClean="0">
+                <a:hlinkClick r:id="rId3"/>
+              </a:rPr>
+              <a:t>https</a:t>
+            </a:r>
+            <a:r>
+              <a:rPr lang="en-US" dirty="0">
+                <a:hlinkClick r:id="rId3"/>
+              </a:rPr>
+              <a:t>://</a:t>
+            </a:r>
+            <a:r>
+              <a:rPr lang="en-US" dirty="0" smtClean="0">
+                <a:hlinkClick r:id="rId3"/>
+              </a:rPr>
+              <a:t>pandas-profiling.github.io/pandas-profiling/examples/master/titanic/titanic_report.html</a:t>
+            </a:r>
+            <a:r>
+              <a:rPr lang="en-US" dirty="0" smtClean="0"/>
+              <a:t>  </a:t>
+            </a:r>
+            <a:endParaRPr lang="en-US" dirty="0"/>
           </a:p>
           <a:p>
             <a:pPr marL="0" indent="0">
@@ -6442,7 +6677,7 @@
           <p:nvPr/>
         </p:nvPicPr>
         <p:blipFill>
-          <a:blip r:embed="rId3"/>
+          <a:blip r:embed="rId4"/>
           <a:stretch>
             <a:fillRect/>
           </a:stretch>
@@ -6466,7 +6701,7 @@
           <p:nvPr/>
         </p:nvPicPr>
         <p:blipFill>
-          <a:blip r:embed="rId4"/>
+          <a:blip r:embed="rId5"/>
           <a:stretch>
             <a:fillRect/>
           </a:stretch>
@@ -6501,7 +6736,7 @@
 </p:sld>
 </file>
 
-<file path=ppt/slides/slide27.xml><?xml version="1.0" encoding="utf-8"?>
+<file path=ppt/slides/slide28.xml><?xml version="1.0" encoding="utf-8"?>
 <p:sld xmlns:a="http://schemas.openxmlformats.org/drawingml/2006/main" xmlns:r="http://schemas.openxmlformats.org/officeDocument/2006/relationships" xmlns:p="http://schemas.openxmlformats.org/presentationml/2006/main">
   <p:cSld>
     <p:spTree>
@@ -6578,13 +6813,38 @@
             <a:endParaRPr lang="en-US" dirty="0"/>
           </a:p>
           <a:p>
-            <a:endParaRPr lang="en-US" dirty="0" smtClean="0"/>
-          </a:p>
-          <a:p>
-            <a:r>
-              <a:rPr lang="en-US" dirty="0"/>
-              <a:t>https://colab.research.google.com/github/pandas-profiling/pandas-profiling/blob/master/examples/titanic/titanic.ipynb#scrollTo=pX825i8GgNuQ </a:t>
-            </a:r>
+            <a:pPr marL="0" indent="0">
+              <a:buNone/>
+            </a:pPr>
+            <a:endParaRPr lang="en-US" dirty="0"/>
+          </a:p>
+          <a:p>
+            <a:pPr marL="0" indent="0">
+              <a:buNone/>
+            </a:pPr>
+            <a:r>
+              <a:rPr lang="en-US" dirty="0" smtClean="0">
+                <a:hlinkClick r:id="rId3"/>
+              </a:rPr>
+              <a:t>https</a:t>
+            </a:r>
+            <a:r>
+              <a:rPr lang="en-US" dirty="0">
+                <a:hlinkClick r:id="rId3"/>
+              </a:rPr>
+              <a:t>://</a:t>
+            </a:r>
+            <a:r>
+              <a:rPr lang="en-US" dirty="0" smtClean="0">
+                <a:hlinkClick r:id="rId3"/>
+              </a:rPr>
+              <a:t>colab.research.google.com/github/pandas-profiling/pandas-profiling/blob/master/examples/titanic/titanic.ipynb#scrollTo=pX825i8GgNuQ</a:t>
+            </a:r>
+            <a:r>
+              <a:rPr lang="en-US" dirty="0" smtClean="0"/>
+              <a:t>  </a:t>
+            </a:r>
+            <a:endParaRPr lang="en-US" dirty="0"/>
           </a:p>
           <a:p>
             <a:endParaRPr lang="en-US" dirty="0"/>
@@ -6600,7 +6860,7 @@
           <p:nvPr/>
         </p:nvPicPr>
         <p:blipFill>
-          <a:blip r:embed="rId3"/>
+          <a:blip r:embed="rId4"/>
           <a:stretch>
             <a:fillRect/>
           </a:stretch>
@@ -6635,7 +6895,7 @@
 </p:sld>
 </file>
 
-<file path=ppt/slides/slide28.xml><?xml version="1.0" encoding="utf-8"?>
+<file path=ppt/slides/slide29.xml><?xml version="1.0" encoding="utf-8"?>
 <p:sld xmlns:a="http://schemas.openxmlformats.org/drawingml/2006/main" xmlns:r="http://schemas.openxmlformats.org/officeDocument/2006/relationships" xmlns:p="http://schemas.openxmlformats.org/presentationml/2006/main">
   <p:cSld>
     <p:spTree>
@@ -6721,14 +6981,32 @@
             <a:endParaRPr lang="en-US" dirty="0"/>
           </a:p>
           <a:p>
+            <a:pPr marL="0" indent="0">
+              <a:buNone/>
+            </a:pPr>
+            <a:r>
+              <a:rPr lang="en-US" dirty="0" smtClean="0">
+                <a:hlinkClick r:id="rId3"/>
+              </a:rPr>
+              <a:t>https</a:t>
+            </a:r>
+            <a:r>
+              <a:rPr lang="en-US" dirty="0">
+                <a:hlinkClick r:id="rId3"/>
+              </a:rPr>
+              <a:t>://</a:t>
+            </a:r>
+            <a:r>
+              <a:rPr lang="en-US" dirty="0" smtClean="0">
+                <a:hlinkClick r:id="rId3"/>
+              </a:rPr>
+              <a:t>awesomeopensource.com/project/lux-org/lux</a:t>
+            </a:r>
             <a:r>
               <a:rPr lang="en-US" dirty="0" smtClean="0"/>
-              <a:t>https</a:t>
-            </a:r>
-            <a:r>
-              <a:rPr lang="en-US" dirty="0"/>
-              <a:t>://awesomeopensource.com/project/lux-org/lux </a:t>
-            </a:r>
+              <a:t>  </a:t>
+            </a:r>
+            <a:endParaRPr lang="en-US" dirty="0"/>
           </a:p>
           <a:p>
             <a:endParaRPr lang="en-US" dirty="0"/>
@@ -6744,7 +7022,7 @@
           <p:nvPr/>
         </p:nvPicPr>
         <p:blipFill>
-          <a:blip r:embed="rId3"/>
+          <a:blip r:embed="rId4"/>
           <a:stretch>
             <a:fillRect/>
           </a:stretch>
@@ -6779,7 +7057,163 @@
 </p:sld>
 </file>
 
-<file path=ppt/slides/slide29.xml><?xml version="1.0" encoding="utf-8"?>
+<file path=ppt/slides/slide3.xml><?xml version="1.0" encoding="utf-8"?>
+<p:sld xmlns:a="http://schemas.openxmlformats.org/drawingml/2006/main" xmlns:r="http://schemas.openxmlformats.org/officeDocument/2006/relationships" xmlns:p="http://schemas.openxmlformats.org/presentationml/2006/main">
+  <p:cSld>
+    <p:spTree>
+      <p:nvGrpSpPr>
+        <p:cNvPr id="1" name=""/>
+        <p:cNvGrpSpPr/>
+        <p:nvPr/>
+      </p:nvGrpSpPr>
+      <p:grpSpPr>
+        <a:xfrm>
+          <a:off x="0" y="0"/>
+          <a:ext cx="0" cy="0"/>
+          <a:chOff x="0" y="0"/>
+          <a:chExt cx="0" cy="0"/>
+        </a:xfrm>
+      </p:grpSpPr>
+      <p:sp>
+        <p:nvSpPr>
+          <p:cNvPr id="2" name="Title 1"/>
+          <p:cNvSpPr>
+            <a:spLocks noGrp="1"/>
+          </p:cNvSpPr>
+          <p:nvPr>
+            <p:ph type="title"/>
+          </p:nvPr>
+        </p:nvSpPr>
+        <p:spPr/>
+        <p:txBody>
+          <a:bodyPr/>
+          <a:lstStyle/>
+          <a:p>
+            <a:r>
+              <a:rPr lang="en-US" dirty="0"/>
+              <a:t>Part II - A/B Test</a:t>
+            </a:r>
+          </a:p>
+        </p:txBody>
+      </p:sp>
+      <p:sp>
+        <p:nvSpPr>
+          <p:cNvPr id="3" name="Content Placeholder 2"/>
+          <p:cNvSpPr>
+            <a:spLocks noGrp="1"/>
+          </p:cNvSpPr>
+          <p:nvPr>
+            <p:ph idx="1"/>
+          </p:nvPr>
+        </p:nvSpPr>
+        <p:spPr/>
+        <p:txBody>
+          <a:bodyPr/>
+          <a:lstStyle/>
+          <a:p>
+            <a:r>
+              <a:rPr lang="en-US" sz="2400" b="1" dirty="0"/>
+              <a:t>state your hypothesis</a:t>
+            </a:r>
+          </a:p>
+          <a:p>
+            <a:endParaRPr lang="en-US" dirty="0"/>
+          </a:p>
+        </p:txBody>
+      </p:sp>
+      <p:pic>
+        <p:nvPicPr>
+          <p:cNvPr id="5" name="Picture 4"/>
+          <p:cNvPicPr>
+            <a:picLocks noChangeAspect="1"/>
+          </p:cNvPicPr>
+          <p:nvPr/>
+        </p:nvPicPr>
+        <p:blipFill>
+          <a:blip r:embed="rId3"/>
+          <a:stretch>
+            <a:fillRect/>
+          </a:stretch>
+        </p:blipFill>
+        <p:spPr>
+          <a:xfrm>
+            <a:off x="565915" y="3406583"/>
+            <a:ext cx="11318304" cy="674493"/>
+          </a:xfrm>
+          <a:prstGeom prst="rect">
+            <a:avLst/>
+          </a:prstGeom>
+        </p:spPr>
+      </p:pic>
+      <p:pic>
+        <p:nvPicPr>
+          <p:cNvPr id="6" name="Picture 5"/>
+          <p:cNvPicPr>
+            <a:picLocks noChangeAspect="1"/>
+          </p:cNvPicPr>
+          <p:nvPr/>
+        </p:nvPicPr>
+        <p:blipFill>
+          <a:blip r:embed="rId4"/>
+          <a:stretch>
+            <a:fillRect/>
+          </a:stretch>
+        </p:blipFill>
+        <p:spPr>
+          <a:xfrm>
+            <a:off x="885567" y="4649761"/>
+            <a:ext cx="10902203" cy="725689"/>
+          </a:xfrm>
+          <a:prstGeom prst="rect">
+            <a:avLst/>
+          </a:prstGeom>
+        </p:spPr>
+      </p:pic>
+      <p:pic>
+        <p:nvPicPr>
+          <p:cNvPr id="7" name="Picture 6"/>
+          <p:cNvPicPr>
+            <a:picLocks noChangeAspect="1"/>
+          </p:cNvPicPr>
+          <p:nvPr/>
+        </p:nvPicPr>
+        <p:blipFill>
+          <a:blip r:embed="rId5"/>
+          <a:stretch>
+            <a:fillRect/>
+          </a:stretch>
+        </p:blipFill>
+        <p:spPr>
+          <a:xfrm>
+            <a:off x="700175" y="5990196"/>
+            <a:ext cx="11060367" cy="627638"/>
+          </a:xfrm>
+          <a:prstGeom prst="rect">
+            <a:avLst/>
+          </a:prstGeom>
+        </p:spPr>
+      </p:pic>
+    </p:spTree>
+    <p:extLst>
+      <p:ext uri="{BB962C8B-B14F-4D97-AF65-F5344CB8AC3E}">
+        <p14:creationId xmlns:p14="http://schemas.microsoft.com/office/powerpoint/2010/main" val="2085910879"/>
+      </p:ext>
+    </p:extLst>
+  </p:cSld>
+  <p:clrMapOvr>
+    <a:masterClrMapping/>
+  </p:clrMapOvr>
+  <p:timing>
+    <p:tnLst>
+      <p:par>
+        <p:cTn id="1" dur="indefinite" restart="never" nodeType="tmRoot"/>
+      </p:par>
+    </p:tnLst>
+  </p:timing>
+</p:sld>
+</file>
+
+<file path=ppt/slides/slide30.xml><?xml version="1.0" encoding="utf-8"?>
 <p:sld xmlns:a="http://schemas.openxmlformats.org/drawingml/2006/main" xmlns:r="http://schemas.openxmlformats.org/officeDocument/2006/relationships" xmlns:p="http://schemas.openxmlformats.org/presentationml/2006/main">
   <p:cSld>
     <p:spTree>
@@ -6947,163 +7381,7 @@
 </p:sld>
 </file>
 
-<file path=ppt/slides/slide3.xml><?xml version="1.0" encoding="utf-8"?>
-<p:sld xmlns:a="http://schemas.openxmlformats.org/drawingml/2006/main" xmlns:r="http://schemas.openxmlformats.org/officeDocument/2006/relationships" xmlns:p="http://schemas.openxmlformats.org/presentationml/2006/main">
-  <p:cSld>
-    <p:spTree>
-      <p:nvGrpSpPr>
-        <p:cNvPr id="1" name=""/>
-        <p:cNvGrpSpPr/>
-        <p:nvPr/>
-      </p:nvGrpSpPr>
-      <p:grpSpPr>
-        <a:xfrm>
-          <a:off x="0" y="0"/>
-          <a:ext cx="0" cy="0"/>
-          <a:chOff x="0" y="0"/>
-          <a:chExt cx="0" cy="0"/>
-        </a:xfrm>
-      </p:grpSpPr>
-      <p:sp>
-        <p:nvSpPr>
-          <p:cNvPr id="2" name="Title 1"/>
-          <p:cNvSpPr>
-            <a:spLocks noGrp="1"/>
-          </p:cNvSpPr>
-          <p:nvPr>
-            <p:ph type="title"/>
-          </p:nvPr>
-        </p:nvSpPr>
-        <p:spPr/>
-        <p:txBody>
-          <a:bodyPr/>
-          <a:lstStyle/>
-          <a:p>
-            <a:r>
-              <a:rPr lang="en-US" dirty="0"/>
-              <a:t>Part II - A/B Test</a:t>
-            </a:r>
-          </a:p>
-        </p:txBody>
-      </p:sp>
-      <p:sp>
-        <p:nvSpPr>
-          <p:cNvPr id="3" name="Content Placeholder 2"/>
-          <p:cNvSpPr>
-            <a:spLocks noGrp="1"/>
-          </p:cNvSpPr>
-          <p:nvPr>
-            <p:ph idx="1"/>
-          </p:nvPr>
-        </p:nvSpPr>
-        <p:spPr/>
-        <p:txBody>
-          <a:bodyPr/>
-          <a:lstStyle/>
-          <a:p>
-            <a:r>
-              <a:rPr lang="en-US" sz="2400" b="1" dirty="0"/>
-              <a:t>state your hypothesis</a:t>
-            </a:r>
-          </a:p>
-          <a:p>
-            <a:endParaRPr lang="en-US" dirty="0"/>
-          </a:p>
-        </p:txBody>
-      </p:sp>
-      <p:pic>
-        <p:nvPicPr>
-          <p:cNvPr id="5" name="Picture 4"/>
-          <p:cNvPicPr>
-            <a:picLocks noChangeAspect="1"/>
-          </p:cNvPicPr>
-          <p:nvPr/>
-        </p:nvPicPr>
-        <p:blipFill>
-          <a:blip r:embed="rId3"/>
-          <a:stretch>
-            <a:fillRect/>
-          </a:stretch>
-        </p:blipFill>
-        <p:spPr>
-          <a:xfrm>
-            <a:off x="565915" y="3406583"/>
-            <a:ext cx="11318304" cy="674493"/>
-          </a:xfrm>
-          <a:prstGeom prst="rect">
-            <a:avLst/>
-          </a:prstGeom>
-        </p:spPr>
-      </p:pic>
-      <p:pic>
-        <p:nvPicPr>
-          <p:cNvPr id="6" name="Picture 5"/>
-          <p:cNvPicPr>
-            <a:picLocks noChangeAspect="1"/>
-          </p:cNvPicPr>
-          <p:nvPr/>
-        </p:nvPicPr>
-        <p:blipFill>
-          <a:blip r:embed="rId4"/>
-          <a:stretch>
-            <a:fillRect/>
-          </a:stretch>
-        </p:blipFill>
-        <p:spPr>
-          <a:xfrm>
-            <a:off x="885567" y="4649761"/>
-            <a:ext cx="10902203" cy="725689"/>
-          </a:xfrm>
-          <a:prstGeom prst="rect">
-            <a:avLst/>
-          </a:prstGeom>
-        </p:spPr>
-      </p:pic>
-      <p:pic>
-        <p:nvPicPr>
-          <p:cNvPr id="7" name="Picture 6"/>
-          <p:cNvPicPr>
-            <a:picLocks noChangeAspect="1"/>
-          </p:cNvPicPr>
-          <p:nvPr/>
-        </p:nvPicPr>
-        <p:blipFill>
-          <a:blip r:embed="rId5"/>
-          <a:stretch>
-            <a:fillRect/>
-          </a:stretch>
-        </p:blipFill>
-        <p:spPr>
-          <a:xfrm>
-            <a:off x="700175" y="5990196"/>
-            <a:ext cx="11060367" cy="627638"/>
-          </a:xfrm>
-          <a:prstGeom prst="rect">
-            <a:avLst/>
-          </a:prstGeom>
-        </p:spPr>
-      </p:pic>
-    </p:spTree>
-    <p:extLst>
-      <p:ext uri="{BB962C8B-B14F-4D97-AF65-F5344CB8AC3E}">
-        <p14:creationId xmlns:p14="http://schemas.microsoft.com/office/powerpoint/2010/main" val="2085910879"/>
-      </p:ext>
-    </p:extLst>
-  </p:cSld>
-  <p:clrMapOvr>
-    <a:masterClrMapping/>
-  </p:clrMapOvr>
-  <p:timing>
-    <p:tnLst>
-      <p:par>
-        <p:cTn id="1" dur="indefinite" restart="never" nodeType="tmRoot"/>
-      </p:par>
-    </p:tnLst>
-  </p:timing>
-</p:sld>
-</file>
-
-<file path=ppt/slides/slide30.xml><?xml version="1.0" encoding="utf-8"?>
+<file path=ppt/slides/slide31.xml><?xml version="1.0" encoding="utf-8"?>
 <p:sld xmlns:a="http://schemas.openxmlformats.org/drawingml/2006/main" xmlns:r="http://schemas.openxmlformats.org/officeDocument/2006/relationships" xmlns:p="http://schemas.openxmlformats.org/presentationml/2006/main">
   <p:cSld>
     <p:spTree>
@@ -7288,7 +7566,7 @@
 </p:sld>
 </file>
 
-<file path=ppt/slides/slide31.xml><?xml version="1.0" encoding="utf-8"?>
+<file path=ppt/slides/slide32.xml><?xml version="1.0" encoding="utf-8"?>
 <p:sld xmlns:a="http://schemas.openxmlformats.org/drawingml/2006/main" xmlns:r="http://schemas.openxmlformats.org/officeDocument/2006/relationships" xmlns:p="http://schemas.openxmlformats.org/presentationml/2006/main">
   <p:cSld>
     <p:spTree>
@@ -7391,7 +7669,7 @@
 </p:sld>
 </file>
 
-<file path=ppt/slides/slide32.xml><?xml version="1.0" encoding="utf-8"?>
+<file path=ppt/slides/slide33.xml><?xml version="1.0" encoding="utf-8"?>
 <p:sld xmlns:a="http://schemas.openxmlformats.org/drawingml/2006/main" xmlns:r="http://schemas.openxmlformats.org/officeDocument/2006/relationships" xmlns:p="http://schemas.openxmlformats.org/presentationml/2006/main">
   <p:cSld>
     <p:spTree>
@@ -7453,7 +7731,11 @@
             </a:r>
             <a:r>
               <a:rPr lang="en-US" dirty="0" smtClean="0"/>
-              <a:t> learn </a:t>
+              <a:t> </a:t>
+            </a:r>
+            <a:r>
+              <a:rPr lang="en-US" dirty="0" smtClean="0"/>
+              <a:t>learn </a:t>
             </a:r>
           </a:p>
           <a:p>
@@ -7490,10 +7772,17 @@
   <p:clrMapOvr>
     <a:masterClrMapping/>
   </p:clrMapOvr>
+  <p:timing>
+    <p:tnLst>
+      <p:par>
+        <p:cTn id="1" dur="indefinite" restart="never" nodeType="tmRoot"/>
+      </p:par>
+    </p:tnLst>
+  </p:timing>
 </p:sld>
 </file>
 
-<file path=ppt/slides/slide33.xml><?xml version="1.0" encoding="utf-8"?>
+<file path=ppt/slides/slide34.xml><?xml version="1.0" encoding="utf-8"?>
 <p:sld xmlns:a="http://schemas.openxmlformats.org/drawingml/2006/main" xmlns:r="http://schemas.openxmlformats.org/officeDocument/2006/relationships" xmlns:p="http://schemas.openxmlformats.org/presentationml/2006/main">
   <p:cSld>
     <p:spTree>
@@ -7610,6 +7899,13 @@
   <p:clrMapOvr>
     <a:masterClrMapping/>
   </p:clrMapOvr>
+  <p:timing>
+    <p:tnLst>
+      <p:par>
+        <p:cTn id="1" dur="indefinite" restart="never" nodeType="tmRoot"/>
+      </p:par>
+    </p:tnLst>
+  </p:timing>
 </p:sld>
 </file>
 
